--- a/LCC/Java/01初嘗Java咖啡_HelloWorld.pptx
+++ b/LCC/Java/01初嘗Java咖啡_HelloWorld.pptx
@@ -884,7 +884,7 @@
             <a:fld id="{B61BEF0D-F0BB-DE4B-95CE-6DB70DBA9567}" type="datetimeFigureOut">
               <a:rPr lang="en-US" smtClean="0"/>
               <a:pPr/>
-              <a:t>12/12/2020</a:t>
+              <a:t>12/27/2020</a:t>
             </a:fld>
             <a:endParaRPr lang="en-US" dirty="0"/>
           </a:p>
@@ -1137,7 +1137,7 @@
             <a:fld id="{B61BEF0D-F0BB-DE4B-95CE-6DB70DBA9567}" type="datetimeFigureOut">
               <a:rPr lang="en-US" smtClean="0"/>
               <a:pPr/>
-              <a:t>12/12/2020</a:t>
+              <a:t>12/27/2020</a:t>
             </a:fld>
             <a:endParaRPr lang="en-US" dirty="0"/>
           </a:p>
@@ -1453,7 +1453,7 @@
             <a:fld id="{B61BEF0D-F0BB-DE4B-95CE-6DB70DBA9567}" type="datetimeFigureOut">
               <a:rPr lang="en-US" smtClean="0"/>
               <a:pPr/>
-              <a:t>12/12/2020</a:t>
+              <a:t>12/27/2020</a:t>
             </a:fld>
             <a:endParaRPr lang="en-US" dirty="0"/>
           </a:p>
@@ -1796,7 +1796,7 @@
             <a:fld id="{B61BEF0D-F0BB-DE4B-95CE-6DB70DBA9567}" type="datetimeFigureOut">
               <a:rPr lang="en-US" smtClean="0"/>
               <a:pPr/>
-              <a:t>12/12/2020</a:t>
+              <a:t>12/27/2020</a:t>
             </a:fld>
             <a:endParaRPr lang="en-US" dirty="0"/>
           </a:p>
@@ -2112,7 +2112,7 @@
             <a:fld id="{B61BEF0D-F0BB-DE4B-95CE-6DB70DBA9567}" type="datetimeFigureOut">
               <a:rPr lang="en-US" smtClean="0"/>
               <a:pPr/>
-              <a:t>12/12/2020</a:t>
+              <a:t>12/27/2020</a:t>
             </a:fld>
             <a:endParaRPr lang="en-US" dirty="0"/>
           </a:p>
@@ -2507,7 +2507,7 @@
             <a:fld id="{B61BEF0D-F0BB-DE4B-95CE-6DB70DBA9567}" type="datetimeFigureOut">
               <a:rPr lang="en-US" smtClean="0"/>
               <a:pPr/>
-              <a:t>12/12/2020</a:t>
+              <a:t>12/27/2020</a:t>
             </a:fld>
             <a:endParaRPr lang="en-US" dirty="0"/>
           </a:p>
@@ -2678,7 +2678,7 @@
           <a:p>
             <a:fld id="{55C6B4A9-1611-4792-9094-5F34BCA07E0B}" type="datetimeFigureOut">
               <a:rPr lang="en-US" smtClean="0"/>
-              <a:t>12/12/2020</a:t>
+              <a:t>12/27/2020</a:t>
             </a:fld>
             <a:endParaRPr lang="en-US" dirty="0"/>
           </a:p>
@@ -2859,7 +2859,7 @@
             <a:fld id="{B61BEF0D-F0BB-DE4B-95CE-6DB70DBA9567}" type="datetimeFigureOut">
               <a:rPr lang="en-US" smtClean="0"/>
               <a:pPr/>
-              <a:t>12/12/2020</a:t>
+              <a:t>12/27/2020</a:t>
             </a:fld>
             <a:endParaRPr lang="en-US" dirty="0"/>
           </a:p>
@@ -3037,7 +3037,7 @@
             <a:fld id="{B61BEF0D-F0BB-DE4B-95CE-6DB70DBA9567}" type="datetimeFigureOut">
               <a:rPr lang="en-US" smtClean="0"/>
               <a:pPr/>
-              <a:t>12/12/2020</a:t>
+              <a:t>12/27/2020</a:t>
             </a:fld>
             <a:endParaRPr lang="en-US" dirty="0"/>
           </a:p>
@@ -3315,7 +3315,7 @@
             <a:fld id="{B61BEF0D-F0BB-DE4B-95CE-6DB70DBA9567}" type="datetimeFigureOut">
               <a:rPr lang="en-US" smtClean="0"/>
               <a:pPr/>
-              <a:t>12/12/2020</a:t>
+              <a:t>12/27/2020</a:t>
             </a:fld>
             <a:endParaRPr lang="en-US" dirty="0"/>
           </a:p>
@@ -3548,7 +3548,7 @@
           <a:p>
             <a:fld id="{EB712588-04B1-427B-82EE-E8DB90309F08}" type="datetimeFigureOut">
               <a:rPr lang="en-US" smtClean="0"/>
-              <a:t>12/12/2020</a:t>
+              <a:t>12/27/2020</a:t>
             </a:fld>
             <a:endParaRPr lang="en-US" dirty="0"/>
           </a:p>
@@ -3923,7 +3923,7 @@
             <a:fld id="{B61BEF0D-F0BB-DE4B-95CE-6DB70DBA9567}" type="datetimeFigureOut">
               <a:rPr lang="en-US" smtClean="0"/>
               <a:pPr/>
-              <a:t>12/12/2020</a:t>
+              <a:t>12/27/2020</a:t>
             </a:fld>
             <a:endParaRPr lang="en-US" dirty="0"/>
           </a:p>
@@ -4048,7 +4048,7 @@
             <a:fld id="{B61BEF0D-F0BB-DE4B-95CE-6DB70DBA9567}" type="datetimeFigureOut">
               <a:rPr lang="en-US" smtClean="0"/>
               <a:pPr/>
-              <a:t>12/12/2020</a:t>
+              <a:t>12/27/2020</a:t>
             </a:fld>
             <a:endParaRPr lang="en-US" dirty="0"/>
           </a:p>
@@ -4145,7 +4145,7 @@
             <a:fld id="{B61BEF0D-F0BB-DE4B-95CE-6DB70DBA9567}" type="datetimeFigureOut">
               <a:rPr lang="en-US" smtClean="0"/>
               <a:pPr/>
-              <a:t>12/12/2020</a:t>
+              <a:t>12/27/2020</a:t>
             </a:fld>
             <a:endParaRPr lang="en-US" dirty="0"/>
           </a:p>
@@ -4401,7 +4401,7 @@
           <a:p>
             <a:fld id="{42A54C80-263E-416B-A8E0-580EDEADCBDC}" type="datetimeFigureOut">
               <a:rPr lang="en-US" smtClean="0"/>
-              <a:t>12/12/2020</a:t>
+              <a:t>12/27/2020</a:t>
             </a:fld>
             <a:endParaRPr lang="en-US" dirty="0"/>
           </a:p>
@@ -4665,7 +4665,7 @@
             <a:fld id="{B61BEF0D-F0BB-DE4B-95CE-6DB70DBA9567}" type="datetimeFigureOut">
               <a:rPr lang="en-US" smtClean="0"/>
               <a:pPr/>
-              <a:t>12/12/2020</a:t>
+              <a:t>12/27/2020</a:t>
             </a:fld>
             <a:endParaRPr lang="en-US" dirty="0"/>
           </a:p>
@@ -5410,7 +5410,7 @@
             <a:fld id="{B61BEF0D-F0BB-DE4B-95CE-6DB70DBA9567}" type="datetimeFigureOut">
               <a:rPr lang="en-US" smtClean="0"/>
               <a:pPr/>
-              <a:t>12/12/2020</a:t>
+              <a:t>12/27/2020</a:t>
             </a:fld>
             <a:endParaRPr lang="en-US" dirty="0"/>
           </a:p>
@@ -5493,6 +5493,47 @@
           </a:p>
         </p:txBody>
       </p:sp>
+      <p:pic>
+        <p:nvPicPr>
+          <p:cNvPr id="18" name="Picture 4" descr="Java 9至12的一些新功能（第一集） - 英國金融界Programmer求職求學記"/>
+          <p:cNvPicPr>
+            <a:picLocks noChangeAspect="1" noChangeArrowheads="1"/>
+          </p:cNvPicPr>
+          <p:nvPr userDrawn="1"/>
+        </p:nvPicPr>
+        <p:blipFill>
+          <a:blip r:embed="rId18" cstate="print">
+            <a:extLst>
+              <a:ext uri="{28A0092B-C50C-407E-A947-70E740481C1C}">
+                <a14:useLocalDpi xmlns:a14="http://schemas.microsoft.com/office/drawing/2010/main" val="0"/>
+              </a:ext>
+            </a:extLst>
+          </a:blip>
+          <a:srcRect/>
+          <a:stretch>
+            <a:fillRect/>
+          </a:stretch>
+        </p:blipFill>
+        <p:spPr bwMode="auto">
+          <a:xfrm>
+            <a:off x="168306" y="10541"/>
+            <a:ext cx="835742" cy="467868"/>
+          </a:xfrm>
+          <a:prstGeom prst="rect">
+            <a:avLst/>
+          </a:prstGeom>
+          <a:noFill/>
+          <a:extLst>
+            <a:ext uri="{909E8E84-426E-40DD-AFC4-6F175D3DCCD1}">
+              <a14:hiddenFill xmlns:a14="http://schemas.microsoft.com/office/drawing/2010/main">
+                <a:solidFill>
+                  <a:srgbClr val="FFFFFF"/>
+                </a:solidFill>
+              </a14:hiddenFill>
+            </a:ext>
+          </a:extLst>
+        </p:spPr>
+      </p:pic>
     </p:spTree>
     <p:extLst>
       <p:ext uri="{BB962C8B-B14F-4D97-AF65-F5344CB8AC3E}">
@@ -5987,12 +6028,53 @@
           <a:p>
             <a:fld id="{7E9E8D7B-1948-44CE-AEB1-217ED767F42F}" type="datetime4">
               <a:rPr lang="zh-TW" altLang="en-US" smtClean="0"/>
-              <a:t>109年12月12日星期六</a:t>
+              <a:t>109年12月27日星期日</a:t>
             </a:fld>
             <a:endParaRPr lang="zh-TW" altLang="en-US" dirty="0"/>
           </a:p>
         </p:txBody>
       </p:sp>
+      <p:pic>
+        <p:nvPicPr>
+          <p:cNvPr id="6" name="Picture 2" descr="Java 9至12的一些新功能（第一集） - 英國金融界Programmer求職求學記"/>
+          <p:cNvPicPr>
+            <a:picLocks noChangeAspect="1" noChangeArrowheads="1"/>
+          </p:cNvPicPr>
+          <p:nvPr/>
+        </p:nvPicPr>
+        <p:blipFill>
+          <a:blip r:embed="rId2" cstate="print">
+            <a:extLst>
+              <a:ext uri="{28A0092B-C50C-407E-A947-70E740481C1C}">
+                <a14:useLocalDpi xmlns:a14="http://schemas.microsoft.com/office/drawing/2010/main" val="0"/>
+              </a:ext>
+            </a:extLst>
+          </a:blip>
+          <a:srcRect/>
+          <a:stretch>
+            <a:fillRect/>
+          </a:stretch>
+        </p:blipFill>
+        <p:spPr bwMode="auto">
+          <a:xfrm>
+            <a:off x="1129559" y="3107227"/>
+            <a:ext cx="4151248" cy="2323969"/>
+          </a:xfrm>
+          <a:prstGeom prst="rect">
+            <a:avLst/>
+          </a:prstGeom>
+          <a:noFill/>
+          <a:extLst>
+            <a:ext uri="{909E8E84-426E-40DD-AFC4-6F175D3DCCD1}">
+              <a14:hiddenFill xmlns:a14="http://schemas.microsoft.com/office/drawing/2010/main">
+                <a:solidFill>
+                  <a:srgbClr val="FFFFFF"/>
+                </a:solidFill>
+              </a14:hiddenFill>
+            </a:ext>
+          </a:extLst>
+        </p:spPr>
+      </p:pic>
     </p:spTree>
     <p:extLst>
       <p:ext uri="{BB962C8B-B14F-4D97-AF65-F5344CB8AC3E}">
@@ -8647,11 +8729,7 @@
           <a:p>
             <a:r>
               <a:rPr lang="zh-TW" altLang="en-US" dirty="0" smtClean="0"/>
-              <a:t>定位</a:t>
-            </a:r>
-            <a:r>
-              <a:rPr lang="zh-TW" altLang="en-US" dirty="0" smtClean="0"/>
-              <a:t>點示意</a:t>
+              <a:t>定位點示意</a:t>
             </a:r>
             <a:endParaRPr lang="zh-TW" altLang="en-US" dirty="0"/>
           </a:p>
@@ -16987,7 +17065,6 @@
               <a:rPr lang="en-US" altLang="zh-TW" dirty="0" smtClean="0"/>
               <a:t>];</a:t>
             </a:r>
-            <a:endParaRPr lang="en-US" altLang="zh-TW" dirty="0" smtClean="0"/>
           </a:p>
           <a:p>
             <a:r>
